--- a/assets/180123_EUDevicesSGAM_UCs_git.pptx
+++ b/assets/180123_EUDevicesSGAM_UCs_git.pptx
@@ -5,10 +5,10 @@
     <p:sldMasterId id="2147483672" r:id="rId1"/>
   </p:sldMasterIdLst>
   <p:notesMasterIdLst>
-    <p:notesMasterId r:id="rId14"/>
+    <p:notesMasterId r:id="rId16"/>
   </p:notesMasterIdLst>
   <p:handoutMasterIdLst>
-    <p:handoutMasterId r:id="rId15"/>
+    <p:handoutMasterId r:id="rId17"/>
   </p:handoutMasterIdLst>
   <p:sldIdLst>
     <p:sldId id="582" r:id="rId2"/>
@@ -23,11 +23,13 @@
     <p:sldId id="589" r:id="rId11"/>
     <p:sldId id="591" r:id="rId12"/>
     <p:sldId id="590" r:id="rId13"/>
+    <p:sldId id="596" r:id="rId14"/>
+    <p:sldId id="597" r:id="rId15"/>
   </p:sldIdLst>
   <p:sldSz cx="9144000" cy="6858000" type="screen4x3"/>
   <p:notesSz cx="6797675" cy="9926638"/>
   <p:custDataLst>
-    <p:tags r:id="rId16"/>
+    <p:tags r:id="rId18"/>
   </p:custDataLst>
   <p:defaultTextStyle>
     <a:defPPr>
@@ -141,6 +143,8 @@
             <p14:sldId id="589"/>
             <p14:sldId id="591"/>
             <p14:sldId id="590"/>
+            <p14:sldId id="596"/>
+            <p14:sldId id="597"/>
           </p14:sldIdLst>
         </p14:section>
       </p14:sectionLst>
@@ -246,11 +250,11 @@
           <c:showPercent val="0"/>
           <c:showBubbleSize val="0"/>
         </c:dLbls>
-        <c:axId val="97966336"/>
-        <c:axId val="99569664"/>
+        <c:axId val="165065856"/>
+        <c:axId val="165067392"/>
       </c:areaChart>
       <c:catAx>
-        <c:axId val="97966336"/>
+        <c:axId val="165065856"/>
         <c:scaling>
           <c:orientation val="minMax"/>
         </c:scaling>
@@ -260,7 +264,7 @@
         <c:majorTickMark val="out"/>
         <c:minorTickMark val="none"/>
         <c:tickLblPos val="nextTo"/>
-        <c:crossAx val="99569664"/>
+        <c:crossAx val="165067392"/>
         <c:crosses val="autoZero"/>
         <c:auto val="1"/>
         <c:lblAlgn val="ctr"/>
@@ -268,7 +272,7 @@
         <c:noMultiLvlLbl val="0"/>
       </c:catAx>
       <c:valAx>
-        <c:axId val="99569664"/>
+        <c:axId val="165067392"/>
         <c:scaling>
           <c:orientation val="minMax"/>
         </c:scaling>
@@ -279,7 +283,7 @@
         <c:majorTickMark val="out"/>
         <c:minorTickMark val="none"/>
         <c:tickLblPos val="nextTo"/>
-        <c:crossAx val="97966336"/>
+        <c:crossAx val="165065856"/>
         <c:crosses val="autoZero"/>
         <c:crossBetween val="midCat"/>
       </c:valAx>
@@ -526,11 +530,11 @@
           <c:showPercent val="0"/>
           <c:showBubbleSize val="0"/>
         </c:dLbls>
-        <c:axId val="99586816"/>
-        <c:axId val="99588352"/>
+        <c:axId val="165978496"/>
+        <c:axId val="165980032"/>
       </c:areaChart>
       <c:catAx>
-        <c:axId val="99586816"/>
+        <c:axId val="165978496"/>
         <c:scaling>
           <c:orientation val="minMax"/>
         </c:scaling>
@@ -540,7 +544,7 @@
         <c:majorTickMark val="out"/>
         <c:minorTickMark val="none"/>
         <c:tickLblPos val="nextTo"/>
-        <c:crossAx val="99588352"/>
+        <c:crossAx val="165980032"/>
         <c:crosses val="autoZero"/>
         <c:auto val="1"/>
         <c:lblAlgn val="ctr"/>
@@ -548,7 +552,7 @@
         <c:noMultiLvlLbl val="0"/>
       </c:catAx>
       <c:valAx>
-        <c:axId val="99588352"/>
+        <c:axId val="165980032"/>
         <c:scaling>
           <c:orientation val="minMax"/>
         </c:scaling>
@@ -559,7 +563,7 @@
         <c:majorTickMark val="out"/>
         <c:minorTickMark val="none"/>
         <c:tickLblPos val="nextTo"/>
-        <c:crossAx val="99586816"/>
+        <c:crossAx val="165978496"/>
         <c:crosses val="autoZero"/>
         <c:crossBetween val="midCat"/>
       </c:valAx>
@@ -665,7 +669,7 @@
           <a:p>
             <a:fld id="{C5EEFA4B-77C2-481A-ABD0-DB23CAD51848}" type="datetime8">
               <a:rPr lang="nl-NL" smtClean="0"/>
-              <a:t>12-2-2018 19:17</a:t>
+              <a:t>27-2-2018 15:33</a:t>
             </a:fld>
             <a:endParaRPr lang="nl-NL" dirty="0"/>
           </a:p>
@@ -835,7 +839,7 @@
           <a:p>
             <a:fld id="{E6EC21D8-2BA0-4B3C-980A-4A3FF683EAE5}" type="datetime8">
               <a:rPr lang="nl-NL" smtClean="0"/>
-              <a:t>12-2-2018 19:17</a:t>
+              <a:t>27-2-2018 15:33</a:t>
             </a:fld>
             <a:endParaRPr lang="nl-NL" dirty="0"/>
           </a:p>
@@ -1441,7 +1445,7 @@
           <a:p>
             <a:fld id="{B71ADCA0-6DA7-4335-9569-1DE27DB0F7B1}" type="datetimeFigureOut">
               <a:rPr lang="nl-NL" smtClean="0"/>
-              <a:t>12-2-2018</a:t>
+              <a:t>27-2-2018</a:t>
             </a:fld>
             <a:endParaRPr lang="nl-NL"/>
           </a:p>
@@ -21546,6 +21550,1850 @@
     <p:extLst>
       <p:ext uri="{BB962C8B-B14F-4D97-AF65-F5344CB8AC3E}">
         <p14:creationId xmlns:p14="http://schemas.microsoft.com/office/powerpoint/2010/main" val="1723899083"/>
+      </p:ext>
+    </p:extLst>
+  </p:cSld>
+  <p:clrMapOvr>
+    <a:masterClrMapping/>
+  </p:clrMapOvr>
+  <p:timing>
+    <p:tnLst>
+      <p:par>
+        <p:cTn id="1" dur="indefinite" restart="never" nodeType="tmRoot"/>
+      </p:par>
+    </p:tnLst>
+  </p:timing>
+</p:sld>
+</file>
+
+<file path=ppt/slides/slide13.xml><?xml version="1.0" encoding="utf-8"?>
+<p:sld xmlns:a="http://schemas.openxmlformats.org/drawingml/2006/main" xmlns:r="http://schemas.openxmlformats.org/officeDocument/2006/relationships" xmlns:p="http://schemas.openxmlformats.org/presentationml/2006/main">
+  <p:cSld>
+    <p:spTree>
+      <p:nvGrpSpPr>
+        <p:cNvPr id="1" name=""/>
+        <p:cNvGrpSpPr/>
+        <p:nvPr/>
+      </p:nvGrpSpPr>
+      <p:grpSpPr>
+        <a:xfrm>
+          <a:off x="0" y="0"/>
+          <a:ext cx="0" cy="0"/>
+          <a:chOff x="0" y="0"/>
+          <a:chExt cx="0" cy="0"/>
+        </a:xfrm>
+      </p:grpSpPr>
+      <p:sp>
+        <p:nvSpPr>
+          <p:cNvPr id="2" name="Tijdelijke aanduiding voor dianummer 1"/>
+          <p:cNvSpPr>
+            <a:spLocks noGrp="1"/>
+          </p:cNvSpPr>
+          <p:nvPr>
+            <p:ph type="sldNum" sz="quarter" idx="12"/>
+          </p:nvPr>
+        </p:nvSpPr>
+        <p:spPr/>
+        <p:txBody>
+          <a:bodyPr/>
+          <a:lstStyle/>
+          <a:p>
+            <a:fld id="{104F1415-87F8-455C-8238-79385BD43DB0}" type="slidenum">
+              <a:rPr lang="nl-NL" smtClean="0"/>
+              <a:pPr/>
+              <a:t>13</a:t>
+            </a:fld>
+            <a:endParaRPr lang="nl-NL"/>
+          </a:p>
+        </p:txBody>
+      </p:sp>
+      <p:sp>
+        <p:nvSpPr>
+          <p:cNvPr id="4" name="Rechthoek 3"/>
+          <p:cNvSpPr/>
+          <p:nvPr/>
+        </p:nvSpPr>
+        <p:spPr>
+          <a:xfrm rot="16200000">
+            <a:off x="2605116" y="1092213"/>
+            <a:ext cx="1004868" cy="1152127"/>
+          </a:xfrm>
+          <a:prstGeom prst="rect">
+            <a:avLst/>
+          </a:prstGeom>
+          <a:ln>
+            <a:noFill/>
+          </a:ln>
+        </p:spPr>
+        <p:style>
+          <a:lnRef idx="2">
+            <a:schemeClr val="accent1">
+              <a:shade val="50000"/>
+            </a:schemeClr>
+          </a:lnRef>
+          <a:fillRef idx="1">
+            <a:schemeClr val="accent1"/>
+          </a:fillRef>
+          <a:effectRef idx="0">
+            <a:schemeClr val="accent1"/>
+          </a:effectRef>
+          <a:fontRef idx="minor">
+            <a:schemeClr val="lt1"/>
+          </a:fontRef>
+        </p:style>
+        <p:txBody>
+          <a:bodyPr vert="vert" rtlCol="0" anchor="ctr"/>
+          <a:lstStyle/>
+          <a:p>
+            <a:pPr algn="ctr"/>
+            <a:r>
+              <a:rPr lang="nl-NL" b="1" i="0" baseline="0" dirty="0" smtClean="0">
+                <a:latin typeface="Verdana" pitchFamily="34" charset="0"/>
+              </a:rPr>
+              <a:t>FSCC</a:t>
+            </a:r>
+            <a:endParaRPr lang="nl-NL" b="1" i="0" baseline="0" dirty="0" smtClean="0">
+              <a:latin typeface="Verdana" pitchFamily="34" charset="0"/>
+            </a:endParaRPr>
+          </a:p>
+        </p:txBody>
+      </p:sp>
+      <p:sp>
+        <p:nvSpPr>
+          <p:cNvPr id="5" name="Rechthoek 4"/>
+          <p:cNvSpPr/>
+          <p:nvPr/>
+        </p:nvSpPr>
+        <p:spPr>
+          <a:xfrm rot="16200000">
+            <a:off x="2866988" y="3004976"/>
+            <a:ext cx="414045" cy="1152125"/>
+          </a:xfrm>
+          <a:prstGeom prst="rect">
+            <a:avLst/>
+          </a:prstGeom>
+          <a:ln>
+            <a:noFill/>
+          </a:ln>
+        </p:spPr>
+        <p:style>
+          <a:lnRef idx="2">
+            <a:schemeClr val="accent1">
+              <a:shade val="50000"/>
+            </a:schemeClr>
+          </a:lnRef>
+          <a:fillRef idx="1">
+            <a:schemeClr val="accent1"/>
+          </a:fillRef>
+          <a:effectRef idx="0">
+            <a:schemeClr val="accent1"/>
+          </a:effectRef>
+          <a:fontRef idx="minor">
+            <a:schemeClr val="lt1"/>
+          </a:fontRef>
+        </p:style>
+        <p:txBody>
+          <a:bodyPr vert="vert" rtlCol="0" anchor="ctr"/>
+          <a:lstStyle/>
+          <a:p>
+            <a:pPr algn="ctr"/>
+            <a:r>
+              <a:rPr lang="nl-NL" b="1" i="0" baseline="0" dirty="0" smtClean="0">
+                <a:latin typeface="Verdana" pitchFamily="34" charset="0"/>
+              </a:rPr>
+              <a:t>FSCH</a:t>
+            </a:r>
+            <a:endParaRPr lang="nl-NL" b="1" i="0" baseline="0" dirty="0" smtClean="0">
+              <a:latin typeface="Verdana" pitchFamily="34" charset="0"/>
+            </a:endParaRPr>
+          </a:p>
+        </p:txBody>
+      </p:sp>
+      <p:sp>
+        <p:nvSpPr>
+          <p:cNvPr id="6" name="Rechthoek 5"/>
+          <p:cNvSpPr/>
+          <p:nvPr/>
+        </p:nvSpPr>
+        <p:spPr>
+          <a:xfrm rot="16200000">
+            <a:off x="4791980" y="2421428"/>
+            <a:ext cx="1167093" cy="1152125"/>
+          </a:xfrm>
+          <a:prstGeom prst="rect">
+            <a:avLst/>
+          </a:prstGeom>
+          <a:ln>
+            <a:noFill/>
+          </a:ln>
+        </p:spPr>
+        <p:style>
+          <a:lnRef idx="2">
+            <a:schemeClr val="accent1">
+              <a:shade val="50000"/>
+            </a:schemeClr>
+          </a:lnRef>
+          <a:fillRef idx="1">
+            <a:schemeClr val="accent1"/>
+          </a:fillRef>
+          <a:effectRef idx="0">
+            <a:schemeClr val="accent1"/>
+          </a:effectRef>
+          <a:fontRef idx="minor">
+            <a:schemeClr val="lt1"/>
+          </a:fontRef>
+        </p:style>
+        <p:txBody>
+          <a:bodyPr vert="vert" rtlCol="0" anchor="ctr"/>
+          <a:lstStyle/>
+          <a:p>
+            <a:pPr algn="ctr"/>
+            <a:r>
+              <a:rPr lang="nl-NL" b="1" i="0" baseline="0" dirty="0" smtClean="0">
+                <a:latin typeface="Verdana" pitchFamily="34" charset="0"/>
+              </a:rPr>
+              <a:t>DRCT</a:t>
+            </a:r>
+            <a:endParaRPr lang="nl-NL" b="1" i="0" baseline="0" dirty="0" smtClean="0">
+              <a:latin typeface="Verdana" pitchFamily="34" charset="0"/>
+            </a:endParaRPr>
+          </a:p>
+        </p:txBody>
+      </p:sp>
+      <p:cxnSp>
+        <p:nvCxnSpPr>
+          <p:cNvPr id="8" name="Rechte verbindingslijn met pijl 7"/>
+          <p:cNvCxnSpPr>
+            <a:stCxn id="5" idx="2"/>
+            <a:endCxn id="6" idx="0"/>
+          </p:cNvCxnSpPr>
+          <p:nvPr/>
+        </p:nvCxnSpPr>
+        <p:spPr>
+          <a:xfrm flipV="1">
+            <a:off x="3650073" y="2997490"/>
+            <a:ext cx="1149391" cy="583548"/>
+          </a:xfrm>
+          <a:prstGeom prst="straightConnector1">
+            <a:avLst/>
+          </a:prstGeom>
+          <a:ln>
+            <a:tailEnd type="arrow"/>
+          </a:ln>
+        </p:spPr>
+        <p:style>
+          <a:lnRef idx="1">
+            <a:schemeClr val="accent1"/>
+          </a:lnRef>
+          <a:fillRef idx="0">
+            <a:schemeClr val="accent1"/>
+          </a:fillRef>
+          <a:effectRef idx="0">
+            <a:schemeClr val="accent1"/>
+          </a:effectRef>
+          <a:fontRef idx="minor">
+            <a:schemeClr val="tx1"/>
+          </a:fontRef>
+        </p:style>
+      </p:cxnSp>
+      <p:sp>
+        <p:nvSpPr>
+          <p:cNvPr id="9" name="Rechthoek 8"/>
+          <p:cNvSpPr/>
+          <p:nvPr/>
+        </p:nvSpPr>
+        <p:spPr>
+          <a:xfrm rot="16200000">
+            <a:off x="3019388" y="3157376"/>
+            <a:ext cx="414045" cy="1152125"/>
+          </a:xfrm>
+          <a:prstGeom prst="rect">
+            <a:avLst/>
+          </a:prstGeom>
+          <a:ln>
+            <a:noFill/>
+          </a:ln>
+        </p:spPr>
+        <p:style>
+          <a:lnRef idx="2">
+            <a:schemeClr val="accent1">
+              <a:shade val="50000"/>
+            </a:schemeClr>
+          </a:lnRef>
+          <a:fillRef idx="1">
+            <a:schemeClr val="accent1"/>
+          </a:fillRef>
+          <a:effectRef idx="0">
+            <a:schemeClr val="accent1"/>
+          </a:effectRef>
+          <a:fontRef idx="minor">
+            <a:schemeClr val="lt1"/>
+          </a:fontRef>
+        </p:style>
+        <p:txBody>
+          <a:bodyPr vert="vert" rtlCol="0" anchor="ctr"/>
+          <a:lstStyle/>
+          <a:p>
+            <a:pPr algn="ctr"/>
+            <a:r>
+              <a:rPr lang="nl-NL" b="1" i="0" baseline="0" dirty="0" smtClean="0">
+                <a:latin typeface="Verdana" pitchFamily="34" charset="0"/>
+              </a:rPr>
+              <a:t>FSCH</a:t>
+            </a:r>
+            <a:endParaRPr lang="nl-NL" b="1" i="0" baseline="0" dirty="0" smtClean="0">
+              <a:latin typeface="Verdana" pitchFamily="34" charset="0"/>
+            </a:endParaRPr>
+          </a:p>
+        </p:txBody>
+      </p:sp>
+      <p:sp>
+        <p:nvSpPr>
+          <p:cNvPr id="10" name="Rechthoek 9"/>
+          <p:cNvSpPr/>
+          <p:nvPr/>
+        </p:nvSpPr>
+        <p:spPr>
+          <a:xfrm rot="16200000">
+            <a:off x="3171788" y="3309776"/>
+            <a:ext cx="414045" cy="1152125"/>
+          </a:xfrm>
+          <a:prstGeom prst="rect">
+            <a:avLst/>
+          </a:prstGeom>
+          <a:ln>
+            <a:noFill/>
+          </a:ln>
+        </p:spPr>
+        <p:style>
+          <a:lnRef idx="2">
+            <a:schemeClr val="accent1">
+              <a:shade val="50000"/>
+            </a:schemeClr>
+          </a:lnRef>
+          <a:fillRef idx="1">
+            <a:schemeClr val="accent1"/>
+          </a:fillRef>
+          <a:effectRef idx="0">
+            <a:schemeClr val="accent1"/>
+          </a:effectRef>
+          <a:fontRef idx="minor">
+            <a:schemeClr val="lt1"/>
+          </a:fontRef>
+        </p:style>
+        <p:txBody>
+          <a:bodyPr vert="vert" rtlCol="0" anchor="ctr"/>
+          <a:lstStyle/>
+          <a:p>
+            <a:pPr algn="ctr"/>
+            <a:r>
+              <a:rPr lang="nl-NL" b="1" i="0" baseline="0" dirty="0" smtClean="0">
+                <a:latin typeface="Verdana" pitchFamily="34" charset="0"/>
+              </a:rPr>
+              <a:t>FSCH</a:t>
+            </a:r>
+            <a:endParaRPr lang="nl-NL" b="1" i="0" baseline="0" dirty="0" smtClean="0">
+              <a:latin typeface="Verdana" pitchFamily="34" charset="0"/>
+            </a:endParaRPr>
+          </a:p>
+        </p:txBody>
+      </p:sp>
+      <p:sp>
+        <p:nvSpPr>
+          <p:cNvPr id="11" name="Rechthoek 10"/>
+          <p:cNvSpPr/>
+          <p:nvPr/>
+        </p:nvSpPr>
+        <p:spPr>
+          <a:xfrm rot="16200000">
+            <a:off x="3324188" y="3462176"/>
+            <a:ext cx="414045" cy="1152125"/>
+          </a:xfrm>
+          <a:prstGeom prst="rect">
+            <a:avLst/>
+          </a:prstGeom>
+          <a:ln>
+            <a:noFill/>
+          </a:ln>
+        </p:spPr>
+        <p:style>
+          <a:lnRef idx="2">
+            <a:schemeClr val="accent1">
+              <a:shade val="50000"/>
+            </a:schemeClr>
+          </a:lnRef>
+          <a:fillRef idx="1">
+            <a:schemeClr val="accent1"/>
+          </a:fillRef>
+          <a:effectRef idx="0">
+            <a:schemeClr val="accent1"/>
+          </a:effectRef>
+          <a:fontRef idx="minor">
+            <a:schemeClr val="lt1"/>
+          </a:fontRef>
+        </p:style>
+        <p:txBody>
+          <a:bodyPr vert="vert" rtlCol="0" anchor="ctr"/>
+          <a:lstStyle/>
+          <a:p>
+            <a:pPr algn="ctr"/>
+            <a:r>
+              <a:rPr lang="nl-NL" b="1" i="0" baseline="0" dirty="0" smtClean="0">
+                <a:latin typeface="Verdana" pitchFamily="34" charset="0"/>
+              </a:rPr>
+              <a:t>FSCH</a:t>
+            </a:r>
+            <a:endParaRPr lang="nl-NL" b="1" i="0" baseline="0" dirty="0" smtClean="0">
+              <a:latin typeface="Verdana" pitchFamily="34" charset="0"/>
+            </a:endParaRPr>
+          </a:p>
+        </p:txBody>
+      </p:sp>
+      <p:sp>
+        <p:nvSpPr>
+          <p:cNvPr id="12" name="Rechthoek 11"/>
+          <p:cNvSpPr/>
+          <p:nvPr/>
+        </p:nvSpPr>
+        <p:spPr>
+          <a:xfrm rot="16200000">
+            <a:off x="3476588" y="3614576"/>
+            <a:ext cx="414045" cy="1152125"/>
+          </a:xfrm>
+          <a:prstGeom prst="rect">
+            <a:avLst/>
+          </a:prstGeom>
+          <a:ln>
+            <a:noFill/>
+          </a:ln>
+        </p:spPr>
+        <p:style>
+          <a:lnRef idx="2">
+            <a:schemeClr val="accent1">
+              <a:shade val="50000"/>
+            </a:schemeClr>
+          </a:lnRef>
+          <a:fillRef idx="1">
+            <a:schemeClr val="accent1"/>
+          </a:fillRef>
+          <a:effectRef idx="0">
+            <a:schemeClr val="accent1"/>
+          </a:effectRef>
+          <a:fontRef idx="minor">
+            <a:schemeClr val="lt1"/>
+          </a:fontRef>
+        </p:style>
+        <p:txBody>
+          <a:bodyPr vert="vert" rtlCol="0" anchor="ctr"/>
+          <a:lstStyle/>
+          <a:p>
+            <a:pPr algn="ctr"/>
+            <a:r>
+              <a:rPr lang="nl-NL" b="1" i="0" baseline="0" dirty="0" smtClean="0">
+                <a:latin typeface="Verdana" pitchFamily="34" charset="0"/>
+              </a:rPr>
+              <a:t>FSCH</a:t>
+            </a:r>
+            <a:endParaRPr lang="nl-NL" b="1" i="0" baseline="0" dirty="0" smtClean="0">
+              <a:latin typeface="Verdana" pitchFamily="34" charset="0"/>
+            </a:endParaRPr>
+          </a:p>
+        </p:txBody>
+      </p:sp>
+      <p:cxnSp>
+        <p:nvCxnSpPr>
+          <p:cNvPr id="14" name="Rechte verbindingslijn met pijl 13"/>
+          <p:cNvCxnSpPr>
+            <a:endCxn id="6" idx="0"/>
+          </p:cNvCxnSpPr>
+          <p:nvPr/>
+        </p:nvCxnSpPr>
+        <p:spPr>
+          <a:xfrm flipV="1">
+            <a:off x="3802473" y="2997490"/>
+            <a:ext cx="996991" cy="790572"/>
+          </a:xfrm>
+          <a:prstGeom prst="straightConnector1">
+            <a:avLst/>
+          </a:prstGeom>
+          <a:ln>
+            <a:tailEnd type="arrow"/>
+          </a:ln>
+        </p:spPr>
+        <p:style>
+          <a:lnRef idx="1">
+            <a:schemeClr val="accent1"/>
+          </a:lnRef>
+          <a:fillRef idx="0">
+            <a:schemeClr val="accent1"/>
+          </a:fillRef>
+          <a:effectRef idx="0">
+            <a:schemeClr val="accent1"/>
+          </a:effectRef>
+          <a:fontRef idx="minor">
+            <a:schemeClr val="tx1"/>
+          </a:fontRef>
+        </p:style>
+      </p:cxnSp>
+      <p:cxnSp>
+        <p:nvCxnSpPr>
+          <p:cNvPr id="16" name="Rechte verbindingslijn met pijl 15"/>
+          <p:cNvCxnSpPr>
+            <a:endCxn id="6" idx="0"/>
+          </p:cNvCxnSpPr>
+          <p:nvPr/>
+        </p:nvCxnSpPr>
+        <p:spPr>
+          <a:xfrm flipV="1">
+            <a:off x="4107273" y="2997490"/>
+            <a:ext cx="692191" cy="986128"/>
+          </a:xfrm>
+          <a:prstGeom prst="straightConnector1">
+            <a:avLst/>
+          </a:prstGeom>
+          <a:ln>
+            <a:tailEnd type="arrow"/>
+          </a:ln>
+        </p:spPr>
+        <p:style>
+          <a:lnRef idx="1">
+            <a:schemeClr val="accent1"/>
+          </a:lnRef>
+          <a:fillRef idx="0">
+            <a:schemeClr val="accent1"/>
+          </a:fillRef>
+          <a:effectRef idx="0">
+            <a:schemeClr val="accent1"/>
+          </a:effectRef>
+          <a:fontRef idx="minor">
+            <a:schemeClr val="tx1"/>
+          </a:fontRef>
+        </p:style>
+      </p:cxnSp>
+      <p:cxnSp>
+        <p:nvCxnSpPr>
+          <p:cNvPr id="18" name="Rechte verbindingslijn met pijl 17"/>
+          <p:cNvCxnSpPr>
+            <a:stCxn id="12" idx="2"/>
+            <a:endCxn id="6" idx="0"/>
+          </p:cNvCxnSpPr>
+          <p:nvPr/>
+        </p:nvCxnSpPr>
+        <p:spPr>
+          <a:xfrm flipV="1">
+            <a:off x="4259673" y="2997490"/>
+            <a:ext cx="539791" cy="1193148"/>
+          </a:xfrm>
+          <a:prstGeom prst="straightConnector1">
+            <a:avLst/>
+          </a:prstGeom>
+          <a:ln>
+            <a:tailEnd type="arrow"/>
+          </a:ln>
+        </p:spPr>
+        <p:style>
+          <a:lnRef idx="1">
+            <a:schemeClr val="accent1"/>
+          </a:lnRef>
+          <a:fillRef idx="0">
+            <a:schemeClr val="accent1"/>
+          </a:fillRef>
+          <a:effectRef idx="0">
+            <a:schemeClr val="accent1"/>
+          </a:effectRef>
+          <a:fontRef idx="minor">
+            <a:schemeClr val="tx1"/>
+          </a:fontRef>
+        </p:style>
+      </p:cxnSp>
+      <p:cxnSp>
+        <p:nvCxnSpPr>
+          <p:cNvPr id="20" name="Rechte verbindingslijn met pijl 19"/>
+          <p:cNvCxnSpPr>
+            <a:endCxn id="6" idx="0"/>
+          </p:cNvCxnSpPr>
+          <p:nvPr/>
+        </p:nvCxnSpPr>
+        <p:spPr>
+          <a:xfrm flipV="1">
+            <a:off x="3954873" y="2997490"/>
+            <a:ext cx="844591" cy="888350"/>
+          </a:xfrm>
+          <a:prstGeom prst="straightConnector1">
+            <a:avLst/>
+          </a:prstGeom>
+          <a:ln>
+            <a:tailEnd type="arrow"/>
+          </a:ln>
+        </p:spPr>
+        <p:style>
+          <a:lnRef idx="1">
+            <a:schemeClr val="accent1"/>
+          </a:lnRef>
+          <a:fillRef idx="0">
+            <a:schemeClr val="accent1"/>
+          </a:fillRef>
+          <a:effectRef idx="0">
+            <a:schemeClr val="accent1"/>
+          </a:effectRef>
+          <a:fontRef idx="minor">
+            <a:schemeClr val="tx1"/>
+          </a:fontRef>
+        </p:style>
+      </p:cxnSp>
+      <p:cxnSp>
+        <p:nvCxnSpPr>
+          <p:cNvPr id="24" name="Rechte verbindingslijn met pijl 23"/>
+          <p:cNvCxnSpPr>
+            <a:stCxn id="4" idx="2"/>
+            <a:endCxn id="6" idx="3"/>
+          </p:cNvCxnSpPr>
+          <p:nvPr/>
+        </p:nvCxnSpPr>
+        <p:spPr>
+          <a:xfrm>
+            <a:off x="3683614" y="1668276"/>
+            <a:ext cx="1691913" cy="745668"/>
+          </a:xfrm>
+          <a:prstGeom prst="straightConnector1">
+            <a:avLst/>
+          </a:prstGeom>
+          <a:ln>
+            <a:tailEnd type="arrow"/>
+          </a:ln>
+        </p:spPr>
+        <p:style>
+          <a:lnRef idx="1">
+            <a:schemeClr val="accent1"/>
+          </a:lnRef>
+          <a:fillRef idx="0">
+            <a:schemeClr val="accent1"/>
+          </a:fillRef>
+          <a:effectRef idx="0">
+            <a:schemeClr val="accent1"/>
+          </a:effectRef>
+          <a:fontRef idx="minor">
+            <a:schemeClr val="tx1"/>
+          </a:fontRef>
+        </p:style>
+      </p:cxnSp>
+      <p:sp>
+        <p:nvSpPr>
+          <p:cNvPr id="27" name="Tekstvak 26"/>
+          <p:cNvSpPr txBox="1"/>
+          <p:nvPr/>
+        </p:nvSpPr>
+        <p:spPr>
+          <a:xfrm>
+            <a:off x="4770739" y="2455043"/>
+            <a:ext cx="1800200" cy="276999"/>
+          </a:xfrm>
+          <a:prstGeom prst="rect">
+            <a:avLst/>
+          </a:prstGeom>
+          <a:noFill/>
+        </p:spPr>
+        <p:txBody>
+          <a:bodyPr wrap="square" rtlCol="0">
+            <a:spAutoFit/>
+          </a:bodyPr>
+          <a:lstStyle/>
+          <a:p>
+            <a:r>
+              <a:rPr lang="nl-NL" sz="1200" dirty="0" err="1" smtClean="0">
+                <a:solidFill>
+                  <a:schemeClr val="bg1"/>
+                </a:solidFill>
+              </a:rPr>
+              <a:t>ActSchdRef</a:t>
+            </a:r>
+            <a:endParaRPr lang="nl-NL" sz="1200" dirty="0">
+              <a:solidFill>
+                <a:schemeClr val="bg1"/>
+              </a:solidFill>
+            </a:endParaRPr>
+          </a:p>
+        </p:txBody>
+      </p:sp>
+      <p:sp>
+        <p:nvSpPr>
+          <p:cNvPr id="31" name="Tekstvak 30"/>
+          <p:cNvSpPr txBox="1"/>
+          <p:nvPr/>
+        </p:nvSpPr>
+        <p:spPr>
+          <a:xfrm>
+            <a:off x="4819480" y="3164666"/>
+            <a:ext cx="1296141" cy="276999"/>
+          </a:xfrm>
+          <a:prstGeom prst="rect">
+            <a:avLst/>
+          </a:prstGeom>
+          <a:noFill/>
+        </p:spPr>
+        <p:txBody>
+          <a:bodyPr wrap="square" rtlCol="0">
+            <a:spAutoFit/>
+          </a:bodyPr>
+          <a:lstStyle/>
+          <a:p>
+            <a:r>
+              <a:rPr lang="nl-NL" sz="1200" dirty="0" err="1" smtClean="0">
+                <a:solidFill>
+                  <a:schemeClr val="bg1"/>
+                </a:solidFill>
+              </a:rPr>
+              <a:t>Wmax</a:t>
+            </a:r>
+            <a:endParaRPr lang="nl-NL" sz="1200" dirty="0">
+              <a:solidFill>
+                <a:schemeClr val="bg1"/>
+              </a:solidFill>
+            </a:endParaRPr>
+          </a:p>
+        </p:txBody>
+      </p:sp>
+      <p:cxnSp>
+        <p:nvCxnSpPr>
+          <p:cNvPr id="39" name="Rechte verbindingslijn met pijl 38"/>
+          <p:cNvCxnSpPr>
+            <a:stCxn id="5" idx="3"/>
+            <a:endCxn id="4" idx="1"/>
+          </p:cNvCxnSpPr>
+          <p:nvPr/>
+        </p:nvCxnSpPr>
+        <p:spPr>
+          <a:xfrm flipV="1">
+            <a:off x="3074011" y="2170711"/>
+            <a:ext cx="33540" cy="1203305"/>
+          </a:xfrm>
+          <a:prstGeom prst="straightConnector1">
+            <a:avLst/>
+          </a:prstGeom>
+          <a:ln>
+            <a:tailEnd type="arrow"/>
+          </a:ln>
+        </p:spPr>
+        <p:style>
+          <a:lnRef idx="1">
+            <a:schemeClr val="accent1"/>
+          </a:lnRef>
+          <a:fillRef idx="0">
+            <a:schemeClr val="accent1"/>
+          </a:fillRef>
+          <a:effectRef idx="0">
+            <a:schemeClr val="accent1"/>
+          </a:effectRef>
+          <a:fontRef idx="minor">
+            <a:schemeClr val="tx1"/>
+          </a:fontRef>
+        </p:style>
+      </p:cxnSp>
+      <p:sp>
+        <p:nvSpPr>
+          <p:cNvPr id="42" name="Tekstvak 41"/>
+          <p:cNvSpPr txBox="1"/>
+          <p:nvPr/>
+        </p:nvSpPr>
+        <p:spPr>
+          <a:xfrm>
+            <a:off x="2730739" y="1813915"/>
+            <a:ext cx="800471" cy="276999"/>
+          </a:xfrm>
+          <a:prstGeom prst="rect">
+            <a:avLst/>
+          </a:prstGeom>
+          <a:noFill/>
+        </p:spPr>
+        <p:txBody>
+          <a:bodyPr wrap="square" rtlCol="0">
+            <a:spAutoFit/>
+          </a:bodyPr>
+          <a:lstStyle/>
+          <a:p>
+            <a:r>
+              <a:rPr lang="nl-NL" sz="1200" dirty="0" err="1" smtClean="0">
+                <a:solidFill>
+                  <a:schemeClr val="bg1"/>
+                </a:solidFill>
+              </a:rPr>
+              <a:t>SchdSt</a:t>
+            </a:r>
+            <a:endParaRPr lang="nl-NL" sz="1200" dirty="0">
+              <a:solidFill>
+                <a:schemeClr val="bg1"/>
+              </a:solidFill>
+            </a:endParaRPr>
+          </a:p>
+        </p:txBody>
+      </p:sp>
+      <p:cxnSp>
+        <p:nvCxnSpPr>
+          <p:cNvPr id="47" name="Rechte verbindingslijn met pijl 46"/>
+          <p:cNvCxnSpPr>
+            <a:stCxn id="9" idx="3"/>
+            <a:endCxn id="4" idx="1"/>
+          </p:cNvCxnSpPr>
+          <p:nvPr/>
+        </p:nvCxnSpPr>
+        <p:spPr>
+          <a:xfrm flipH="1" flipV="1">
+            <a:off x="3107551" y="2170711"/>
+            <a:ext cx="118860" cy="1355705"/>
+          </a:xfrm>
+          <a:prstGeom prst="straightConnector1">
+            <a:avLst/>
+          </a:prstGeom>
+          <a:ln>
+            <a:tailEnd type="arrow"/>
+          </a:ln>
+        </p:spPr>
+        <p:style>
+          <a:lnRef idx="1">
+            <a:schemeClr val="accent1"/>
+          </a:lnRef>
+          <a:fillRef idx="0">
+            <a:schemeClr val="accent1"/>
+          </a:fillRef>
+          <a:effectRef idx="0">
+            <a:schemeClr val="accent1"/>
+          </a:effectRef>
+          <a:fontRef idx="minor">
+            <a:schemeClr val="tx1"/>
+          </a:fontRef>
+        </p:style>
+      </p:cxnSp>
+      <p:cxnSp>
+        <p:nvCxnSpPr>
+          <p:cNvPr id="49" name="Rechte verbindingslijn met pijl 48"/>
+          <p:cNvCxnSpPr>
+            <a:stCxn id="10" idx="3"/>
+            <a:endCxn id="4" idx="1"/>
+          </p:cNvCxnSpPr>
+          <p:nvPr/>
+        </p:nvCxnSpPr>
+        <p:spPr>
+          <a:xfrm flipH="1" flipV="1">
+            <a:off x="3107551" y="2170711"/>
+            <a:ext cx="271260" cy="1508105"/>
+          </a:xfrm>
+          <a:prstGeom prst="straightConnector1">
+            <a:avLst/>
+          </a:prstGeom>
+          <a:ln>
+            <a:tailEnd type="arrow"/>
+          </a:ln>
+        </p:spPr>
+        <p:style>
+          <a:lnRef idx="1">
+            <a:schemeClr val="accent1"/>
+          </a:lnRef>
+          <a:fillRef idx="0">
+            <a:schemeClr val="accent1"/>
+          </a:fillRef>
+          <a:effectRef idx="0">
+            <a:schemeClr val="accent1"/>
+          </a:effectRef>
+          <a:fontRef idx="minor">
+            <a:schemeClr val="tx1"/>
+          </a:fontRef>
+        </p:style>
+      </p:cxnSp>
+      <p:cxnSp>
+        <p:nvCxnSpPr>
+          <p:cNvPr id="51" name="Rechte verbindingslijn met pijl 50"/>
+          <p:cNvCxnSpPr>
+            <a:stCxn id="12" idx="3"/>
+            <a:endCxn id="4" idx="1"/>
+          </p:cNvCxnSpPr>
+          <p:nvPr/>
+        </p:nvCxnSpPr>
+        <p:spPr>
+          <a:xfrm flipH="1" flipV="1">
+            <a:off x="3107551" y="2170711"/>
+            <a:ext cx="576060" cy="1812905"/>
+          </a:xfrm>
+          <a:prstGeom prst="straightConnector1">
+            <a:avLst/>
+          </a:prstGeom>
+          <a:ln>
+            <a:tailEnd type="arrow"/>
+          </a:ln>
+        </p:spPr>
+        <p:style>
+          <a:lnRef idx="1">
+            <a:schemeClr val="accent1"/>
+          </a:lnRef>
+          <a:fillRef idx="0">
+            <a:schemeClr val="accent1"/>
+          </a:fillRef>
+          <a:effectRef idx="0">
+            <a:schemeClr val="accent1"/>
+          </a:effectRef>
+          <a:fontRef idx="minor">
+            <a:schemeClr val="tx1"/>
+          </a:fontRef>
+        </p:style>
+      </p:cxnSp>
+      <p:sp>
+        <p:nvSpPr>
+          <p:cNvPr id="55" name="Rechthoek 54"/>
+          <p:cNvSpPr/>
+          <p:nvPr/>
+        </p:nvSpPr>
+        <p:spPr>
+          <a:xfrm>
+            <a:off x="251520" y="620688"/>
+            <a:ext cx="1080120" cy="4104456"/>
+          </a:xfrm>
+          <a:prstGeom prst="rect">
+            <a:avLst/>
+          </a:prstGeom>
+          <a:ln>
+            <a:noFill/>
+          </a:ln>
+        </p:spPr>
+        <p:style>
+          <a:lnRef idx="2">
+            <a:schemeClr val="accent1">
+              <a:shade val="50000"/>
+            </a:schemeClr>
+          </a:lnRef>
+          <a:fillRef idx="1">
+            <a:schemeClr val="accent1"/>
+          </a:fillRef>
+          <a:effectRef idx="0">
+            <a:schemeClr val="accent1"/>
+          </a:effectRef>
+          <a:fontRef idx="minor">
+            <a:schemeClr val="lt1"/>
+          </a:fontRef>
+        </p:style>
+        <p:txBody>
+          <a:bodyPr vert="vert" rtlCol="0" anchor="ctr"/>
+          <a:lstStyle/>
+          <a:p>
+            <a:pPr algn="ctr"/>
+            <a:r>
+              <a:rPr lang="nl-NL" b="1" dirty="0" smtClean="0">
+                <a:latin typeface="Verdana" pitchFamily="34" charset="0"/>
+              </a:rPr>
+              <a:t>DER </a:t>
+            </a:r>
+            <a:r>
+              <a:rPr lang="nl-NL" b="1" dirty="0" err="1" smtClean="0">
+                <a:latin typeface="Verdana" pitchFamily="34" charset="0"/>
+              </a:rPr>
+              <a:t>central</a:t>
+            </a:r>
+            <a:r>
+              <a:rPr lang="nl-NL" b="1" dirty="0" smtClean="0">
+                <a:latin typeface="Verdana" pitchFamily="34" charset="0"/>
+              </a:rPr>
+              <a:t> control </a:t>
+            </a:r>
+            <a:r>
+              <a:rPr lang="nl-NL" b="1" dirty="0" err="1" smtClean="0">
+                <a:latin typeface="Verdana" pitchFamily="34" charset="0"/>
+              </a:rPr>
+              <a:t>function</a:t>
+            </a:r>
+            <a:endParaRPr lang="nl-NL" b="1" i="0" baseline="0" dirty="0" smtClean="0">
+              <a:latin typeface="Verdana" pitchFamily="34" charset="0"/>
+            </a:endParaRPr>
+          </a:p>
+        </p:txBody>
+      </p:sp>
+      <p:cxnSp>
+        <p:nvCxnSpPr>
+          <p:cNvPr id="57" name="Rechte verbindingslijn met pijl 56"/>
+          <p:cNvCxnSpPr>
+            <a:stCxn id="55" idx="3"/>
+            <a:endCxn id="4" idx="0"/>
+          </p:cNvCxnSpPr>
+          <p:nvPr/>
+        </p:nvCxnSpPr>
+        <p:spPr>
+          <a:xfrm flipV="1">
+            <a:off x="1331640" y="1668277"/>
+            <a:ext cx="1199847" cy="1004639"/>
+          </a:xfrm>
+          <a:prstGeom prst="straightConnector1">
+            <a:avLst/>
+          </a:prstGeom>
+          <a:ln>
+            <a:tailEnd type="arrow"/>
+          </a:ln>
+        </p:spPr>
+        <p:style>
+          <a:lnRef idx="1">
+            <a:schemeClr val="accent1"/>
+          </a:lnRef>
+          <a:fillRef idx="0">
+            <a:schemeClr val="accent1"/>
+          </a:fillRef>
+          <a:effectRef idx="0">
+            <a:schemeClr val="accent1"/>
+          </a:effectRef>
+          <a:fontRef idx="minor">
+            <a:schemeClr val="tx1"/>
+          </a:fontRef>
+        </p:style>
+      </p:cxnSp>
+      <p:cxnSp>
+        <p:nvCxnSpPr>
+          <p:cNvPr id="59" name="Rechte verbindingslijn met pijl 58"/>
+          <p:cNvCxnSpPr>
+            <a:stCxn id="55" idx="3"/>
+            <a:endCxn id="5" idx="0"/>
+          </p:cNvCxnSpPr>
+          <p:nvPr/>
+        </p:nvCxnSpPr>
+        <p:spPr>
+          <a:xfrm>
+            <a:off x="1331640" y="2672916"/>
+            <a:ext cx="1166308" cy="908122"/>
+          </a:xfrm>
+          <a:prstGeom prst="straightConnector1">
+            <a:avLst/>
+          </a:prstGeom>
+          <a:ln>
+            <a:tailEnd type="arrow"/>
+          </a:ln>
+        </p:spPr>
+        <p:style>
+          <a:lnRef idx="1">
+            <a:schemeClr val="accent1"/>
+          </a:lnRef>
+          <a:fillRef idx="0">
+            <a:schemeClr val="accent1"/>
+          </a:fillRef>
+          <a:effectRef idx="0">
+            <a:schemeClr val="accent1"/>
+          </a:effectRef>
+          <a:fontRef idx="minor">
+            <a:schemeClr val="tx1"/>
+          </a:fontRef>
+        </p:style>
+      </p:cxnSp>
+      <p:sp>
+        <p:nvSpPr>
+          <p:cNvPr id="60" name="Tekstvak 59"/>
+          <p:cNvSpPr txBox="1"/>
+          <p:nvPr/>
+        </p:nvSpPr>
+        <p:spPr>
+          <a:xfrm rot="5400000">
+            <a:off x="592105" y="4164473"/>
+            <a:ext cx="2520280" cy="830997"/>
+          </a:xfrm>
+          <a:prstGeom prst="rect">
+            <a:avLst/>
+          </a:prstGeom>
+          <a:noFill/>
+        </p:spPr>
+        <p:txBody>
+          <a:bodyPr wrap="square" rtlCol="0">
+            <a:spAutoFit/>
+          </a:bodyPr>
+          <a:lstStyle/>
+          <a:p>
+            <a:r>
+              <a:rPr lang="nl-NL" sz="1200" dirty="0" err="1"/>
+              <a:t>SchdSt,Beh,VldReq,EnaReq,SchdPrio,NumEntr,SchdIntv,ValASG</a:t>
+            </a:r>
+            <a:r>
+              <a:rPr lang="nl-NL" sz="1200" dirty="0"/>
+              <a:t> (</a:t>
+            </a:r>
+            <a:r>
+              <a:rPr lang="nl-NL" sz="1200" dirty="0" err="1"/>
+              <a:t>MmultiF</a:t>
+            </a:r>
+            <a:r>
+              <a:rPr lang="nl-NL" sz="1200" dirty="0"/>
+              <a:t>),</a:t>
+            </a:r>
+            <a:r>
+              <a:rPr lang="nl-NL" sz="1200" dirty="0" err="1"/>
+              <a:t>StrTm,IntvPer,IntvTyp,EvTrg,InSyn,SchdReuse</a:t>
+            </a:r>
+            <a:endParaRPr lang="nl-NL" sz="1200" dirty="0"/>
+          </a:p>
+        </p:txBody>
+      </p:sp>
+      <p:sp>
+        <p:nvSpPr>
+          <p:cNvPr id="62" name="Tekstvak 61"/>
+          <p:cNvSpPr txBox="1"/>
+          <p:nvPr/>
+        </p:nvSpPr>
+        <p:spPr>
+          <a:xfrm rot="5400000">
+            <a:off x="1483281" y="1908934"/>
+            <a:ext cx="746907" cy="277000"/>
+          </a:xfrm>
+          <a:prstGeom prst="rect">
+            <a:avLst/>
+          </a:prstGeom>
+          <a:noFill/>
+        </p:spPr>
+        <p:txBody>
+          <a:bodyPr wrap="square" rtlCol="0">
+            <a:spAutoFit/>
+          </a:bodyPr>
+          <a:lstStyle/>
+          <a:p>
+            <a:r>
+              <a:rPr lang="nl-NL" sz="1200" dirty="0" err="1" smtClean="0"/>
+              <a:t>Schd</a:t>
+            </a:r>
+            <a:endParaRPr lang="nl-NL" sz="1200" dirty="0"/>
+          </a:p>
+        </p:txBody>
+      </p:sp>
+    </p:spTree>
+    <p:extLst>
+      <p:ext uri="{BB962C8B-B14F-4D97-AF65-F5344CB8AC3E}">
+        <p14:creationId xmlns:p14="http://schemas.microsoft.com/office/powerpoint/2010/main" val="2359864679"/>
+      </p:ext>
+    </p:extLst>
+  </p:cSld>
+  <p:clrMapOvr>
+    <a:masterClrMapping/>
+  </p:clrMapOvr>
+  <p:timing>
+    <p:tnLst>
+      <p:par>
+        <p:cTn id="1" dur="indefinite" restart="never" nodeType="tmRoot"/>
+      </p:par>
+    </p:tnLst>
+  </p:timing>
+</p:sld>
+</file>
+
+<file path=ppt/slides/slide14.xml><?xml version="1.0" encoding="utf-8"?>
+<p:sld xmlns:a="http://schemas.openxmlformats.org/drawingml/2006/main" xmlns:r="http://schemas.openxmlformats.org/officeDocument/2006/relationships" xmlns:p="http://schemas.openxmlformats.org/presentationml/2006/main">
+  <p:cSld>
+    <p:spTree>
+      <p:nvGrpSpPr>
+        <p:cNvPr id="1" name=""/>
+        <p:cNvGrpSpPr/>
+        <p:nvPr/>
+      </p:nvGrpSpPr>
+      <p:grpSpPr>
+        <a:xfrm>
+          <a:off x="0" y="0"/>
+          <a:ext cx="0" cy="0"/>
+          <a:chOff x="0" y="0"/>
+          <a:chExt cx="0" cy="0"/>
+        </a:xfrm>
+      </p:grpSpPr>
+      <p:sp>
+        <p:nvSpPr>
+          <p:cNvPr id="2" name="Tijdelijke aanduiding voor dianummer 1"/>
+          <p:cNvSpPr>
+            <a:spLocks noGrp="1"/>
+          </p:cNvSpPr>
+          <p:nvPr>
+            <p:ph type="sldNum" sz="quarter" idx="12"/>
+          </p:nvPr>
+        </p:nvSpPr>
+        <p:spPr/>
+        <p:txBody>
+          <a:bodyPr/>
+          <a:lstStyle/>
+          <a:p>
+            <a:fld id="{104F1415-87F8-455C-8238-79385BD43DB0}" type="slidenum">
+              <a:rPr lang="nl-NL" smtClean="0"/>
+              <a:pPr/>
+              <a:t>14</a:t>
+            </a:fld>
+            <a:endParaRPr lang="nl-NL"/>
+          </a:p>
+        </p:txBody>
+      </p:sp>
+      <p:sp>
+        <p:nvSpPr>
+          <p:cNvPr id="4" name="Rechthoek 3"/>
+          <p:cNvSpPr/>
+          <p:nvPr/>
+        </p:nvSpPr>
+        <p:spPr>
+          <a:xfrm rot="16200000">
+            <a:off x="3684134" y="1097916"/>
+            <a:ext cx="1004868" cy="1152127"/>
+          </a:xfrm>
+          <a:prstGeom prst="rect">
+            <a:avLst/>
+          </a:prstGeom>
+          <a:ln>
+            <a:noFill/>
+          </a:ln>
+        </p:spPr>
+        <p:style>
+          <a:lnRef idx="2">
+            <a:schemeClr val="accent1">
+              <a:shade val="50000"/>
+            </a:schemeClr>
+          </a:lnRef>
+          <a:fillRef idx="1">
+            <a:schemeClr val="accent1"/>
+          </a:fillRef>
+          <a:effectRef idx="0">
+            <a:schemeClr val="accent1"/>
+          </a:effectRef>
+          <a:fontRef idx="minor">
+            <a:schemeClr val="lt1"/>
+          </a:fontRef>
+        </p:style>
+        <p:txBody>
+          <a:bodyPr vert="vert" rtlCol="0" anchor="ctr"/>
+          <a:lstStyle/>
+          <a:p>
+            <a:pPr algn="ctr"/>
+            <a:r>
+              <a:rPr lang="nl-NL" b="1" i="0" baseline="0" dirty="0" smtClean="0">
+                <a:latin typeface="Verdana" pitchFamily="34" charset="0"/>
+              </a:rPr>
+              <a:t>MMXU</a:t>
+            </a:r>
+            <a:endParaRPr lang="nl-NL" b="1" i="0" baseline="0" dirty="0" smtClean="0">
+              <a:latin typeface="Verdana" pitchFamily="34" charset="0"/>
+            </a:endParaRPr>
+          </a:p>
+        </p:txBody>
+      </p:sp>
+      <p:sp>
+        <p:nvSpPr>
+          <p:cNvPr id="5" name="Rechthoek 4"/>
+          <p:cNvSpPr/>
+          <p:nvPr/>
+        </p:nvSpPr>
+        <p:spPr>
+          <a:xfrm rot="16200000">
+            <a:off x="3907779" y="3004976"/>
+            <a:ext cx="414045" cy="1152125"/>
+          </a:xfrm>
+          <a:prstGeom prst="rect">
+            <a:avLst/>
+          </a:prstGeom>
+          <a:ln>
+            <a:noFill/>
+          </a:ln>
+        </p:spPr>
+        <p:style>
+          <a:lnRef idx="2">
+            <a:schemeClr val="accent1">
+              <a:shade val="50000"/>
+            </a:schemeClr>
+          </a:lnRef>
+          <a:fillRef idx="1">
+            <a:schemeClr val="accent1"/>
+          </a:fillRef>
+          <a:effectRef idx="0">
+            <a:schemeClr val="accent1"/>
+          </a:effectRef>
+          <a:fontRef idx="minor">
+            <a:schemeClr val="lt1"/>
+          </a:fontRef>
+        </p:style>
+        <p:txBody>
+          <a:bodyPr vert="vert" rtlCol="0" anchor="ctr"/>
+          <a:lstStyle/>
+          <a:p>
+            <a:pPr algn="ctr"/>
+            <a:r>
+              <a:rPr lang="nl-NL" b="1" i="0" baseline="0" dirty="0" smtClean="0">
+                <a:latin typeface="Verdana" pitchFamily="34" charset="0"/>
+              </a:rPr>
+              <a:t>FSCH</a:t>
+            </a:r>
+            <a:endParaRPr lang="nl-NL" b="1" i="0" baseline="0" dirty="0" smtClean="0">
+              <a:latin typeface="Verdana" pitchFamily="34" charset="0"/>
+            </a:endParaRPr>
+          </a:p>
+        </p:txBody>
+      </p:sp>
+      <p:sp>
+        <p:nvSpPr>
+          <p:cNvPr id="9" name="Rechthoek 8"/>
+          <p:cNvSpPr/>
+          <p:nvPr/>
+        </p:nvSpPr>
+        <p:spPr>
+          <a:xfrm rot="16200000">
+            <a:off x="4060179" y="3157376"/>
+            <a:ext cx="414045" cy="1152125"/>
+          </a:xfrm>
+          <a:prstGeom prst="rect">
+            <a:avLst/>
+          </a:prstGeom>
+          <a:ln>
+            <a:noFill/>
+          </a:ln>
+        </p:spPr>
+        <p:style>
+          <a:lnRef idx="2">
+            <a:schemeClr val="accent1">
+              <a:shade val="50000"/>
+            </a:schemeClr>
+          </a:lnRef>
+          <a:fillRef idx="1">
+            <a:schemeClr val="accent1"/>
+          </a:fillRef>
+          <a:effectRef idx="0">
+            <a:schemeClr val="accent1"/>
+          </a:effectRef>
+          <a:fontRef idx="minor">
+            <a:schemeClr val="lt1"/>
+          </a:fontRef>
+        </p:style>
+        <p:txBody>
+          <a:bodyPr vert="vert" rtlCol="0" anchor="ctr"/>
+          <a:lstStyle/>
+          <a:p>
+            <a:pPr algn="ctr"/>
+            <a:r>
+              <a:rPr lang="nl-NL" b="1" i="0" baseline="0" dirty="0" smtClean="0">
+                <a:latin typeface="Verdana" pitchFamily="34" charset="0"/>
+              </a:rPr>
+              <a:t>FSCH</a:t>
+            </a:r>
+            <a:endParaRPr lang="nl-NL" b="1" i="0" baseline="0" dirty="0" smtClean="0">
+              <a:latin typeface="Verdana" pitchFamily="34" charset="0"/>
+            </a:endParaRPr>
+          </a:p>
+        </p:txBody>
+      </p:sp>
+      <p:sp>
+        <p:nvSpPr>
+          <p:cNvPr id="10" name="Rechthoek 9"/>
+          <p:cNvSpPr/>
+          <p:nvPr/>
+        </p:nvSpPr>
+        <p:spPr>
+          <a:xfrm rot="16200000">
+            <a:off x="4212579" y="3309776"/>
+            <a:ext cx="414045" cy="1152125"/>
+          </a:xfrm>
+          <a:prstGeom prst="rect">
+            <a:avLst/>
+          </a:prstGeom>
+          <a:ln>
+            <a:noFill/>
+          </a:ln>
+        </p:spPr>
+        <p:style>
+          <a:lnRef idx="2">
+            <a:schemeClr val="accent1">
+              <a:shade val="50000"/>
+            </a:schemeClr>
+          </a:lnRef>
+          <a:fillRef idx="1">
+            <a:schemeClr val="accent1"/>
+          </a:fillRef>
+          <a:effectRef idx="0">
+            <a:schemeClr val="accent1"/>
+          </a:effectRef>
+          <a:fontRef idx="minor">
+            <a:schemeClr val="lt1"/>
+          </a:fontRef>
+        </p:style>
+        <p:txBody>
+          <a:bodyPr vert="vert" rtlCol="0" anchor="ctr"/>
+          <a:lstStyle/>
+          <a:p>
+            <a:pPr algn="ctr"/>
+            <a:r>
+              <a:rPr lang="nl-NL" b="1" i="0" baseline="0" dirty="0" smtClean="0">
+                <a:latin typeface="Verdana" pitchFamily="34" charset="0"/>
+              </a:rPr>
+              <a:t>FSCH</a:t>
+            </a:r>
+            <a:endParaRPr lang="nl-NL" b="1" i="0" baseline="0" dirty="0" smtClean="0">
+              <a:latin typeface="Verdana" pitchFamily="34" charset="0"/>
+            </a:endParaRPr>
+          </a:p>
+        </p:txBody>
+      </p:sp>
+      <p:sp>
+        <p:nvSpPr>
+          <p:cNvPr id="11" name="Rechthoek 10"/>
+          <p:cNvSpPr/>
+          <p:nvPr/>
+        </p:nvSpPr>
+        <p:spPr>
+          <a:xfrm rot="16200000">
+            <a:off x="4364979" y="3462176"/>
+            <a:ext cx="414045" cy="1152125"/>
+          </a:xfrm>
+          <a:prstGeom prst="rect">
+            <a:avLst/>
+          </a:prstGeom>
+          <a:ln>
+            <a:noFill/>
+          </a:ln>
+        </p:spPr>
+        <p:style>
+          <a:lnRef idx="2">
+            <a:schemeClr val="accent1">
+              <a:shade val="50000"/>
+            </a:schemeClr>
+          </a:lnRef>
+          <a:fillRef idx="1">
+            <a:schemeClr val="accent1"/>
+          </a:fillRef>
+          <a:effectRef idx="0">
+            <a:schemeClr val="accent1"/>
+          </a:effectRef>
+          <a:fontRef idx="minor">
+            <a:schemeClr val="lt1"/>
+          </a:fontRef>
+        </p:style>
+        <p:txBody>
+          <a:bodyPr vert="vert" rtlCol="0" anchor="ctr"/>
+          <a:lstStyle/>
+          <a:p>
+            <a:pPr algn="ctr"/>
+            <a:r>
+              <a:rPr lang="nl-NL" b="1" i="0" baseline="0" dirty="0" smtClean="0">
+                <a:latin typeface="Verdana" pitchFamily="34" charset="0"/>
+              </a:rPr>
+              <a:t>MMXU</a:t>
+            </a:r>
+            <a:endParaRPr lang="nl-NL" b="1" i="0" baseline="0" dirty="0" smtClean="0">
+              <a:latin typeface="Verdana" pitchFamily="34" charset="0"/>
+            </a:endParaRPr>
+          </a:p>
+        </p:txBody>
+      </p:sp>
+      <p:sp>
+        <p:nvSpPr>
+          <p:cNvPr id="55" name="Rechthoek 54"/>
+          <p:cNvSpPr/>
+          <p:nvPr/>
+        </p:nvSpPr>
+        <p:spPr>
+          <a:xfrm>
+            <a:off x="251520" y="620688"/>
+            <a:ext cx="1080120" cy="4104456"/>
+          </a:xfrm>
+          <a:prstGeom prst="rect">
+            <a:avLst/>
+          </a:prstGeom>
+          <a:ln>
+            <a:noFill/>
+          </a:ln>
+        </p:spPr>
+        <p:style>
+          <a:lnRef idx="2">
+            <a:schemeClr val="accent1">
+              <a:shade val="50000"/>
+            </a:schemeClr>
+          </a:lnRef>
+          <a:fillRef idx="1">
+            <a:schemeClr val="accent1"/>
+          </a:fillRef>
+          <a:effectRef idx="0">
+            <a:schemeClr val="accent1"/>
+          </a:effectRef>
+          <a:fontRef idx="minor">
+            <a:schemeClr val="lt1"/>
+          </a:fontRef>
+        </p:style>
+        <p:txBody>
+          <a:bodyPr vert="vert" rtlCol="0" anchor="ctr"/>
+          <a:lstStyle/>
+          <a:p>
+            <a:pPr algn="ctr"/>
+            <a:r>
+              <a:rPr lang="nl-NL" b="1" dirty="0" smtClean="0">
+                <a:latin typeface="Verdana" pitchFamily="34" charset="0"/>
+              </a:rPr>
+              <a:t>DER </a:t>
+            </a:r>
+            <a:r>
+              <a:rPr lang="nl-NL" b="1" dirty="0" err="1" smtClean="0">
+                <a:latin typeface="Verdana" pitchFamily="34" charset="0"/>
+              </a:rPr>
+              <a:t>central</a:t>
+            </a:r>
+            <a:r>
+              <a:rPr lang="nl-NL" b="1" dirty="0" smtClean="0">
+                <a:latin typeface="Verdana" pitchFamily="34" charset="0"/>
+              </a:rPr>
+              <a:t> control </a:t>
+            </a:r>
+            <a:r>
+              <a:rPr lang="nl-NL" b="1" dirty="0" err="1" smtClean="0">
+                <a:latin typeface="Verdana" pitchFamily="34" charset="0"/>
+              </a:rPr>
+              <a:t>function</a:t>
+            </a:r>
+            <a:endParaRPr lang="nl-NL" b="1" i="0" baseline="0" dirty="0" smtClean="0">
+              <a:latin typeface="Verdana" pitchFamily="34" charset="0"/>
+            </a:endParaRPr>
+          </a:p>
+        </p:txBody>
+      </p:sp>
+      <p:cxnSp>
+        <p:nvCxnSpPr>
+          <p:cNvPr id="21" name="Rechte verbindingslijn met pijl 20"/>
+          <p:cNvCxnSpPr>
+            <a:stCxn id="4" idx="0"/>
+          </p:cNvCxnSpPr>
+          <p:nvPr/>
+        </p:nvCxnSpPr>
+        <p:spPr>
+          <a:xfrm flipH="1" flipV="1">
+            <a:off x="1331640" y="1673979"/>
+            <a:ext cx="2278865" cy="1"/>
+          </a:xfrm>
+          <a:prstGeom prst="straightConnector1">
+            <a:avLst/>
+          </a:prstGeom>
+          <a:ln>
+            <a:tailEnd type="arrow"/>
+          </a:ln>
+        </p:spPr>
+        <p:style>
+          <a:lnRef idx="1">
+            <a:schemeClr val="accent1"/>
+          </a:lnRef>
+          <a:fillRef idx="0">
+            <a:schemeClr val="accent1"/>
+          </a:fillRef>
+          <a:effectRef idx="0">
+            <a:schemeClr val="accent1"/>
+          </a:effectRef>
+          <a:fontRef idx="minor">
+            <a:schemeClr val="tx1"/>
+          </a:fontRef>
+        </p:style>
+      </p:cxnSp>
+      <p:cxnSp>
+        <p:nvCxnSpPr>
+          <p:cNvPr id="23" name="Rechte verbindingslijn met pijl 22"/>
+          <p:cNvCxnSpPr>
+            <a:stCxn id="5" idx="0"/>
+          </p:cNvCxnSpPr>
+          <p:nvPr/>
+        </p:nvCxnSpPr>
+        <p:spPr>
+          <a:xfrm flipH="1">
+            <a:off x="1331640" y="3581038"/>
+            <a:ext cx="2207099" cy="0"/>
+          </a:xfrm>
+          <a:prstGeom prst="straightConnector1">
+            <a:avLst/>
+          </a:prstGeom>
+          <a:ln>
+            <a:tailEnd type="arrow"/>
+          </a:ln>
+        </p:spPr>
+        <p:style>
+          <a:lnRef idx="1">
+            <a:schemeClr val="accent1"/>
+          </a:lnRef>
+          <a:fillRef idx="0">
+            <a:schemeClr val="accent1"/>
+          </a:fillRef>
+          <a:effectRef idx="0">
+            <a:schemeClr val="accent1"/>
+          </a:effectRef>
+          <a:fontRef idx="minor">
+            <a:schemeClr val="tx1"/>
+          </a:fontRef>
+        </p:style>
+      </p:cxnSp>
+      <p:cxnSp>
+        <p:nvCxnSpPr>
+          <p:cNvPr id="28" name="Rechte verbindingslijn met pijl 27"/>
+          <p:cNvCxnSpPr>
+            <a:endCxn id="5" idx="3"/>
+          </p:cNvCxnSpPr>
+          <p:nvPr/>
+        </p:nvCxnSpPr>
+        <p:spPr>
+          <a:xfrm flipH="1">
+            <a:off x="4114802" y="2176414"/>
+            <a:ext cx="71766" cy="1197602"/>
+          </a:xfrm>
+          <a:prstGeom prst="straightConnector1">
+            <a:avLst/>
+          </a:prstGeom>
+          <a:ln>
+            <a:tailEnd type="arrow"/>
+          </a:ln>
+        </p:spPr>
+        <p:style>
+          <a:lnRef idx="1">
+            <a:schemeClr val="accent1"/>
+          </a:lnRef>
+          <a:fillRef idx="0">
+            <a:schemeClr val="accent1"/>
+          </a:fillRef>
+          <a:effectRef idx="0">
+            <a:schemeClr val="accent1"/>
+          </a:effectRef>
+          <a:fontRef idx="minor">
+            <a:schemeClr val="tx1"/>
+          </a:fontRef>
+        </p:style>
+      </p:cxnSp>
+      <p:cxnSp>
+        <p:nvCxnSpPr>
+          <p:cNvPr id="32" name="Rechte verbindingslijn met pijl 31"/>
+          <p:cNvCxnSpPr>
+            <a:stCxn id="4" idx="1"/>
+            <a:endCxn id="9" idx="3"/>
+          </p:cNvCxnSpPr>
+          <p:nvPr/>
+        </p:nvCxnSpPr>
+        <p:spPr>
+          <a:xfrm>
+            <a:off x="4186569" y="2176414"/>
+            <a:ext cx="80633" cy="1350002"/>
+          </a:xfrm>
+          <a:prstGeom prst="straightConnector1">
+            <a:avLst/>
+          </a:prstGeom>
+          <a:ln>
+            <a:tailEnd type="arrow"/>
+          </a:ln>
+        </p:spPr>
+        <p:style>
+          <a:lnRef idx="1">
+            <a:schemeClr val="accent1"/>
+          </a:lnRef>
+          <a:fillRef idx="0">
+            <a:schemeClr val="accent1"/>
+          </a:fillRef>
+          <a:effectRef idx="0">
+            <a:schemeClr val="accent1"/>
+          </a:effectRef>
+          <a:fontRef idx="minor">
+            <a:schemeClr val="tx1"/>
+          </a:fontRef>
+        </p:style>
+      </p:cxnSp>
+      <p:cxnSp>
+        <p:nvCxnSpPr>
+          <p:cNvPr id="34" name="Rechte verbindingslijn met pijl 33"/>
+          <p:cNvCxnSpPr>
+            <a:stCxn id="4" idx="1"/>
+            <a:endCxn id="10" idx="3"/>
+          </p:cNvCxnSpPr>
+          <p:nvPr/>
+        </p:nvCxnSpPr>
+        <p:spPr>
+          <a:xfrm>
+            <a:off x="4186569" y="2176414"/>
+            <a:ext cx="233033" cy="1502402"/>
+          </a:xfrm>
+          <a:prstGeom prst="straightConnector1">
+            <a:avLst/>
+          </a:prstGeom>
+          <a:ln>
+            <a:tailEnd type="arrow"/>
+          </a:ln>
+        </p:spPr>
+        <p:style>
+          <a:lnRef idx="1">
+            <a:schemeClr val="accent1"/>
+          </a:lnRef>
+          <a:fillRef idx="0">
+            <a:schemeClr val="accent1"/>
+          </a:fillRef>
+          <a:effectRef idx="0">
+            <a:schemeClr val="accent1"/>
+          </a:effectRef>
+          <a:fontRef idx="minor">
+            <a:schemeClr val="tx1"/>
+          </a:fontRef>
+        </p:style>
+      </p:cxnSp>
+      <p:cxnSp>
+        <p:nvCxnSpPr>
+          <p:cNvPr id="36" name="Rechte verbindingslijn met pijl 35"/>
+          <p:cNvCxnSpPr>
+            <a:stCxn id="4" idx="1"/>
+            <a:endCxn id="11" idx="3"/>
+          </p:cNvCxnSpPr>
+          <p:nvPr/>
+        </p:nvCxnSpPr>
+        <p:spPr>
+          <a:xfrm>
+            <a:off x="4186569" y="2176414"/>
+            <a:ext cx="385433" cy="1654802"/>
+          </a:xfrm>
+          <a:prstGeom prst="straightConnector1">
+            <a:avLst/>
+          </a:prstGeom>
+          <a:ln>
+            <a:tailEnd type="arrow"/>
+          </a:ln>
+        </p:spPr>
+        <p:style>
+          <a:lnRef idx="1">
+            <a:schemeClr val="accent1"/>
+          </a:lnRef>
+          <a:fillRef idx="0">
+            <a:schemeClr val="accent1"/>
+          </a:fillRef>
+          <a:effectRef idx="0">
+            <a:schemeClr val="accent1"/>
+          </a:effectRef>
+          <a:fontRef idx="minor">
+            <a:schemeClr val="tx1"/>
+          </a:fontRef>
+        </p:style>
+      </p:cxnSp>
+      <p:sp>
+        <p:nvSpPr>
+          <p:cNvPr id="37" name="Tekstvak 36"/>
+          <p:cNvSpPr txBox="1"/>
+          <p:nvPr/>
+        </p:nvSpPr>
+        <p:spPr>
+          <a:xfrm>
+            <a:off x="5292080" y="3435902"/>
+            <a:ext cx="1440160" cy="646331"/>
+          </a:xfrm>
+          <a:prstGeom prst="rect">
+            <a:avLst/>
+          </a:prstGeom>
+          <a:noFill/>
+        </p:spPr>
+        <p:txBody>
+          <a:bodyPr wrap="square" rtlCol="0">
+            <a:spAutoFit/>
+          </a:bodyPr>
+          <a:lstStyle/>
+          <a:p>
+            <a:r>
+              <a:rPr lang="nl-NL" dirty="0" err="1" smtClean="0"/>
+              <a:t>Calculation</a:t>
+            </a:r>
+            <a:r>
+              <a:rPr lang="nl-NL" dirty="0" smtClean="0"/>
+              <a:t> mode</a:t>
+            </a:r>
+            <a:endParaRPr lang="nl-NL" dirty="0"/>
+          </a:p>
+        </p:txBody>
+      </p:sp>
+      <p:sp>
+        <p:nvSpPr>
+          <p:cNvPr id="48" name="Tekstvak 47"/>
+          <p:cNvSpPr txBox="1"/>
+          <p:nvPr/>
+        </p:nvSpPr>
+        <p:spPr>
+          <a:xfrm>
+            <a:off x="5292080" y="1350814"/>
+            <a:ext cx="1584176" cy="646331"/>
+          </a:xfrm>
+          <a:prstGeom prst="rect">
+            <a:avLst/>
+          </a:prstGeom>
+          <a:noFill/>
+        </p:spPr>
+        <p:txBody>
+          <a:bodyPr wrap="square" rtlCol="0">
+            <a:spAutoFit/>
+          </a:bodyPr>
+          <a:lstStyle/>
+          <a:p>
+            <a:r>
+              <a:rPr lang="nl-NL" dirty="0" err="1" smtClean="0"/>
+              <a:t>Measurement</a:t>
+            </a:r>
+            <a:r>
+              <a:rPr lang="nl-NL" dirty="0" smtClean="0"/>
+              <a:t> mode</a:t>
+            </a:r>
+            <a:endParaRPr lang="nl-NL" dirty="0"/>
+          </a:p>
+        </p:txBody>
+      </p:sp>
+      <p:sp>
+        <p:nvSpPr>
+          <p:cNvPr id="38" name="Tekstvak 37"/>
+          <p:cNvSpPr txBox="1"/>
+          <p:nvPr/>
+        </p:nvSpPr>
+        <p:spPr>
+          <a:xfrm>
+            <a:off x="1976336" y="1396981"/>
+            <a:ext cx="1559027" cy="276999"/>
+          </a:xfrm>
+          <a:prstGeom prst="rect">
+            <a:avLst/>
+          </a:prstGeom>
+          <a:noFill/>
+        </p:spPr>
+        <p:txBody>
+          <a:bodyPr wrap="square" rtlCol="0">
+            <a:spAutoFit/>
+          </a:bodyPr>
+          <a:lstStyle/>
+          <a:p>
+            <a:r>
+              <a:rPr lang="nl-NL" sz="1200" dirty="0" err="1"/>
+              <a:t>TotW,TotVAr</a:t>
+            </a:r>
+            <a:endParaRPr lang="nl-NL" sz="1200" dirty="0"/>
+          </a:p>
+        </p:txBody>
+      </p:sp>
+      <p:sp>
+        <p:nvSpPr>
+          <p:cNvPr id="50" name="Tekstvak 49"/>
+          <p:cNvSpPr txBox="1"/>
+          <p:nvPr/>
+        </p:nvSpPr>
+        <p:spPr>
+          <a:xfrm>
+            <a:off x="1619672" y="3249417"/>
+            <a:ext cx="1919067" cy="276999"/>
+          </a:xfrm>
+          <a:prstGeom prst="rect">
+            <a:avLst/>
+          </a:prstGeom>
+          <a:noFill/>
+        </p:spPr>
+        <p:txBody>
+          <a:bodyPr wrap="square" rtlCol="0">
+            <a:spAutoFit/>
+          </a:bodyPr>
+          <a:lstStyle/>
+          <a:p>
+            <a:r>
+              <a:rPr lang="nl-NL" sz="1200" dirty="0" err="1" smtClean="0"/>
+              <a:t>TotW,TotVAr</a:t>
+            </a:r>
+            <a:r>
+              <a:rPr lang="nl-NL" sz="1200" dirty="0" smtClean="0"/>
+              <a:t> (</a:t>
+            </a:r>
+            <a:r>
+              <a:rPr lang="nl-NL" sz="1200" dirty="0" err="1" smtClean="0"/>
+              <a:t>cacluated</a:t>
+            </a:r>
+            <a:r>
+              <a:rPr lang="nl-NL" sz="1200" dirty="0" smtClean="0"/>
+              <a:t>)</a:t>
+            </a:r>
+            <a:endParaRPr lang="nl-NL" sz="1200" dirty="0"/>
+          </a:p>
+        </p:txBody>
+      </p:sp>
+    </p:spTree>
+    <p:extLst>
+      <p:ext uri="{BB962C8B-B14F-4D97-AF65-F5344CB8AC3E}">
+        <p14:creationId xmlns:p14="http://schemas.microsoft.com/office/powerpoint/2010/main" val="2532689404"/>
       </p:ext>
     </p:extLst>
   </p:cSld>
